--- a/poster/poster.pptx
+++ b/poster/poster.pptx
@@ -726,13 +726,6 @@
               </a:rPr>
               <a:t>Data Visualization for Karma System  </a:t>
             </a:r>
-            <a:endParaRPr lang="en-US" sz="11500" dirty="0">
-              <a:solidFill>
-                <a:schemeClr val="bg1"/>
-              </a:solidFill>
-              <a:latin typeface="Arial" pitchFamily="34" charset="0"/>
-              <a:cs typeface="Arial" pitchFamily="34" charset="0"/>
-            </a:endParaRPr>
           </a:p>
         </p:txBody>
       </p:sp>
@@ -778,13 +771,6 @@
               </a:rPr>
               <a:t> Yan</a:t>
             </a:r>
-            <a:endParaRPr lang="en-US" sz="4800" dirty="0">
-              <a:solidFill>
-                <a:srgbClr val="B4B4B4"/>
-              </a:solidFill>
-              <a:latin typeface="Arial" pitchFamily="34" charset="0"/>
-              <a:cs typeface="Arial" pitchFamily="34" charset="0"/>
-            </a:endParaRPr>
           </a:p>
         </p:txBody>
       </p:sp>
@@ -796,7 +782,7 @@
         </p:nvSpPr>
         <p:spPr>
           <a:xfrm>
-            <a:off x="1315790" y="6019800"/>
+            <a:off x="1278682" y="5787955"/>
             <a:ext cx="7264344" cy="14243002"/>
           </a:xfrm>
           <a:prstGeom prst="rect">
@@ -1128,7 +1114,7 @@
         </p:nvSpPr>
         <p:spPr>
           <a:xfrm>
-            <a:off x="9470766" y="5915263"/>
+            <a:off x="9397858" y="5787955"/>
             <a:ext cx="10587949" cy="8900129"/>
           </a:xfrm>
           <a:prstGeom prst="rect">
@@ -1410,7 +1396,7 @@
         </p:blipFill>
         <p:spPr>
           <a:xfrm>
-            <a:off x="12691539" y="17474232"/>
+            <a:off x="12634303" y="17701976"/>
             <a:ext cx="5939362" cy="3027977"/>
           </a:xfrm>
           <a:prstGeom prst="rect">
@@ -1426,8 +1412,8 @@
         </p:nvSpPr>
         <p:spPr>
           <a:xfrm>
-            <a:off x="10574346" y="11220658"/>
-            <a:ext cx="389076" cy="680073"/>
+            <a:off x="10569542" y="11310768"/>
+            <a:ext cx="393880" cy="589963"/>
           </a:xfrm>
           <a:prstGeom prst="downArrow">
             <a:avLst/>
@@ -1546,7 +1532,7 @@
         </p:nvSpPr>
         <p:spPr>
           <a:xfrm rot="5400000">
-            <a:off x="15305159" y="16795523"/>
+            <a:off x="15769293" y="16948748"/>
             <a:ext cx="718310" cy="632514"/>
           </a:xfrm>
           <a:prstGeom prst="bentArrow">
@@ -1861,7 +1847,7 @@
         </p:blipFill>
         <p:spPr>
           <a:xfrm>
-            <a:off x="18936791" y="17474232"/>
+            <a:off x="18990365" y="17733355"/>
             <a:ext cx="4802968" cy="3021773"/>
           </a:xfrm>
           <a:prstGeom prst="rect">
@@ -1891,7 +1877,7 @@
         </p:blipFill>
         <p:spPr>
           <a:xfrm>
-            <a:off x="9188767" y="17474232"/>
+            <a:off x="9115603" y="17723189"/>
             <a:ext cx="3155575" cy="3027977"/>
           </a:xfrm>
           <a:prstGeom prst="rect">
@@ -1967,7 +1953,7 @@
         </p:nvSpPr>
         <p:spPr>
           <a:xfrm rot="5400000" flipV="1">
-            <a:off x="10522911" y="16860171"/>
+            <a:off x="10446217" y="17129290"/>
             <a:ext cx="640530" cy="547268"/>
           </a:xfrm>
           <a:prstGeom prst="bentArrow">
@@ -2011,7 +1997,7 @@
         </p:nvSpPr>
         <p:spPr>
           <a:xfrm>
-            <a:off x="21143737" y="16752625"/>
+            <a:off x="21105065" y="17022299"/>
             <a:ext cx="389076" cy="680073"/>
           </a:xfrm>
           <a:prstGeom prst="downArrow">
@@ -2151,7 +2137,7 @@
         </p:nvSpPr>
         <p:spPr>
           <a:xfrm flipV="1">
-            <a:off x="2492836" y="11636817"/>
+            <a:off x="2453570" y="11325313"/>
             <a:ext cx="1255158" cy="1071061"/>
           </a:xfrm>
           <a:prstGeom prst="bentArrow">
@@ -2297,7 +2283,7 @@
         </p:blipFill>
         <p:spPr>
           <a:xfrm>
-            <a:off x="587874" y="8298576"/>
+            <a:off x="587873" y="8030489"/>
             <a:ext cx="4794658" cy="3296983"/>
           </a:xfrm>
           <a:prstGeom prst="rect">
@@ -2327,7 +2313,7 @@
         </p:blipFill>
         <p:spPr>
           <a:xfrm>
-            <a:off x="3747994" y="10104210"/>
+            <a:off x="3711578" y="9682566"/>
             <a:ext cx="4457700" cy="3285495"/>
           </a:xfrm>
           <a:prstGeom prst="rect">
@@ -2387,8 +2373,128 @@
         </p:blipFill>
         <p:spPr>
           <a:xfrm>
-            <a:off x="18586038" y="9121865"/>
-            <a:ext cx="4054218" cy="2188903"/>
+            <a:off x="18503548" y="8974392"/>
+            <a:ext cx="4264571" cy="2302474"/>
+          </a:xfrm>
+          <a:prstGeom prst="rect">
+            <a:avLst/>
+          </a:prstGeom>
+        </p:spPr>
+      </p:pic>
+      <p:pic>
+        <p:nvPicPr>
+          <p:cNvPr id="7" name="图片 6"/>
+          <p:cNvPicPr>
+            <a:picLocks noChangeAspect="1"/>
+          </p:cNvPicPr>
+          <p:nvPr/>
+        </p:nvPicPr>
+        <p:blipFill>
+          <a:blip r:embed="rId16" cstate="print">
+            <a:extLst>
+              <a:ext uri="{28A0092B-C50C-407E-A947-70E740481C1C}">
+                <a14:useLocalDpi xmlns:a14="http://schemas.microsoft.com/office/drawing/2010/main" val="0"/>
+              </a:ext>
+            </a:extLst>
+          </a:blip>
+          <a:stretch>
+            <a:fillRect/>
+          </a:stretch>
+        </p:blipFill>
+        <p:spPr>
+          <a:xfrm>
+            <a:off x="8924758" y="9008294"/>
+            <a:ext cx="3836836" cy="2317020"/>
+          </a:xfrm>
+          <a:prstGeom prst="rect">
+            <a:avLst/>
+          </a:prstGeom>
+        </p:spPr>
+      </p:pic>
+      <p:pic>
+        <p:nvPicPr>
+          <p:cNvPr id="8" name="图片 7"/>
+          <p:cNvPicPr>
+            <a:picLocks noChangeAspect="1"/>
+          </p:cNvPicPr>
+          <p:nvPr/>
+        </p:nvPicPr>
+        <p:blipFill>
+          <a:blip r:embed="rId17" cstate="print">
+            <a:extLst>
+              <a:ext uri="{28A0092B-C50C-407E-A947-70E740481C1C}">
+                <a14:useLocalDpi xmlns:a14="http://schemas.microsoft.com/office/drawing/2010/main" val="0"/>
+              </a:ext>
+            </a:extLst>
+          </a:blip>
+          <a:stretch>
+            <a:fillRect/>
+          </a:stretch>
+        </p:blipFill>
+        <p:spPr>
+          <a:xfrm>
+            <a:off x="13650822" y="9008294"/>
+            <a:ext cx="3812531" cy="2288445"/>
+          </a:xfrm>
+          <a:prstGeom prst="rect">
+            <a:avLst/>
+          </a:prstGeom>
+        </p:spPr>
+      </p:pic>
+      <p:pic>
+        <p:nvPicPr>
+          <p:cNvPr id="15" name="图片 14"/>
+          <p:cNvPicPr>
+            <a:picLocks noChangeAspect="1"/>
+          </p:cNvPicPr>
+          <p:nvPr/>
+        </p:nvPicPr>
+        <p:blipFill>
+          <a:blip r:embed="rId18" cstate="print">
+            <a:extLst>
+              <a:ext uri="{28A0092B-C50C-407E-A947-70E740481C1C}">
+                <a14:useLocalDpi xmlns:a14="http://schemas.microsoft.com/office/drawing/2010/main" val="0"/>
+              </a:ext>
+            </a:extLst>
+          </a:blip>
+          <a:stretch>
+            <a:fillRect/>
+          </a:stretch>
+        </p:blipFill>
+        <p:spPr>
+          <a:xfrm>
+            <a:off x="11520248" y="15044210"/>
+            <a:ext cx="3956268" cy="2379530"/>
+          </a:xfrm>
+          <a:prstGeom prst="rect">
+            <a:avLst/>
+          </a:prstGeom>
+        </p:spPr>
+      </p:pic>
+      <p:pic>
+        <p:nvPicPr>
+          <p:cNvPr id="17" name="图片 16"/>
+          <p:cNvPicPr>
+            <a:picLocks noChangeAspect="1"/>
+          </p:cNvPicPr>
+          <p:nvPr/>
+        </p:nvPicPr>
+        <p:blipFill>
+          <a:blip r:embed="rId19" cstate="print">
+            <a:extLst>
+              <a:ext uri="{28A0092B-C50C-407E-A947-70E740481C1C}">
+                <a14:useLocalDpi xmlns:a14="http://schemas.microsoft.com/office/drawing/2010/main" val="0"/>
+              </a:ext>
+            </a:extLst>
+          </a:blip>
+          <a:stretch>
+            <a:fillRect/>
+          </a:stretch>
+        </p:blipFill>
+        <p:spPr>
+          <a:xfrm>
+            <a:off x="19310849" y="15044210"/>
+            <a:ext cx="3977507" cy="2135637"/>
           </a:xfrm>
           <a:prstGeom prst="rect">
             <a:avLst/>

--- a/poster/poster.pptx
+++ b/poster/poster.pptx
@@ -1492,8 +1492,8 @@
         </p:nvSpPr>
         <p:spPr>
           <a:xfrm>
-            <a:off x="20441296" y="11217033"/>
-            <a:ext cx="389076" cy="680073"/>
+            <a:off x="29921196" y="13007097"/>
+            <a:ext cx="520703" cy="1067501"/>
           </a:xfrm>
           <a:prstGeom prst="downArrow">
             <a:avLst/>
@@ -1532,8 +1532,8 @@
         </p:nvSpPr>
         <p:spPr>
           <a:xfrm rot="5400000">
-            <a:off x="15769293" y="16948748"/>
-            <a:ext cx="718310" cy="632514"/>
+            <a:off x="15615639" y="16795095"/>
+            <a:ext cx="744971" cy="913160"/>
           </a:xfrm>
           <a:prstGeom prst="bentArrow">
             <a:avLst/>
@@ -1577,7 +1577,7 @@
         <p:spPr>
           <a:xfrm>
             <a:off x="23608840" y="8443267"/>
-            <a:ext cx="9331437" cy="12058942"/>
+            <a:ext cx="9331437" cy="11244360"/>
           </a:xfrm>
           <a:prstGeom prst="rect">
             <a:avLst/>
@@ -1606,36 +1606,29 @@
                 <a:latin typeface="Arial" pitchFamily="34" charset="0"/>
                 <a:cs typeface="Arial" pitchFamily="34" charset="0"/>
               </a:rPr>
-              <a:t>The New York Times Obama budget data</a:t>
+              <a:t>The New York Times Obama budget </a:t>
             </a:r>
-          </a:p>
-          <a:p>
-            <a:pPr>
-              <a:lnSpc>
-                <a:spcPct val="110000"/>
-              </a:lnSpc>
-              <a:spcAft>
-                <a:spcPts val="1600"/>
-              </a:spcAft>
-            </a:pPr>
-            <a:endParaRPr lang="en-US" altLang="zh-CN" sz="3600" b="1" dirty="0" smtClean="0">
-              <a:solidFill>
-                <a:srgbClr val="9E7E38"/>
-              </a:solidFill>
-              <a:latin typeface="Arial" pitchFamily="34" charset="0"/>
-              <a:cs typeface="Arial" pitchFamily="34" charset="0"/>
-            </a:endParaRPr>
-          </a:p>
-          <a:p>
-            <a:pPr>
-              <a:lnSpc>
-                <a:spcPct val="110000"/>
-              </a:lnSpc>
-              <a:spcAft>
-                <a:spcPts val="1600"/>
-              </a:spcAft>
-            </a:pPr>
-            <a:endParaRPr lang="en-US" altLang="zh-CN" sz="3600" b="1" dirty="0">
+            <a:r>
+              <a:rPr lang="en-US" altLang="zh-CN" sz="3600" b="1" dirty="0" smtClean="0">
+                <a:solidFill>
+                  <a:srgbClr val="9E7E38"/>
+                </a:solidFill>
+                <a:latin typeface="Arial" pitchFamily="34" charset="0"/>
+                <a:cs typeface="Arial" pitchFamily="34" charset="0"/>
+              </a:rPr>
+              <a:t>data</a:t>
+            </a:r>
+          </a:p>
+          <a:p>
+            <a:pPr>
+              <a:lnSpc>
+                <a:spcPct val="110000"/>
+              </a:lnSpc>
+              <a:spcAft>
+                <a:spcPts val="1600"/>
+              </a:spcAft>
+            </a:pPr>
+            <a:endParaRPr lang="en-US" altLang="zh-CN" sz="3200" b="1" dirty="0">
               <a:solidFill>
                 <a:srgbClr val="9E7E38"/>
               </a:solidFill>
@@ -1953,8 +1946,8 @@
         </p:nvSpPr>
         <p:spPr>
           <a:xfrm rot="5400000" flipV="1">
-            <a:off x="10446217" y="17129290"/>
-            <a:ext cx="640530" cy="547268"/>
+            <a:off x="10529009" y="16843028"/>
+            <a:ext cx="844000" cy="916322"/>
           </a:xfrm>
           <a:prstGeom prst="bentArrow">
             <a:avLst/>
@@ -2051,8 +2044,38 @@
         </p:blipFill>
         <p:spPr>
           <a:xfrm>
-            <a:off x="28018948" y="17768511"/>
+            <a:off x="28084760" y="18023672"/>
             <a:ext cx="4193574" cy="2727494"/>
+          </a:xfrm>
+          <a:prstGeom prst="rect">
+            <a:avLst/>
+          </a:prstGeom>
+        </p:spPr>
+      </p:pic>
+      <p:pic>
+        <p:nvPicPr>
+          <p:cNvPr id="27" name="图片 26"/>
+          <p:cNvPicPr>
+            <a:picLocks noChangeAspect="1"/>
+          </p:cNvPicPr>
+          <p:nvPr/>
+        </p:nvPicPr>
+        <p:blipFill>
+          <a:blip r:embed="rId11">
+            <a:extLst>
+              <a:ext uri="{28A0092B-C50C-407E-A947-70E740481C1C}">
+                <a14:useLocalDpi xmlns:a14="http://schemas.microsoft.com/office/drawing/2010/main" val="0"/>
+              </a:ext>
+            </a:extLst>
+          </a:blip>
+          <a:stretch>
+            <a:fillRect/>
+          </a:stretch>
+        </p:blipFill>
+        <p:spPr>
+          <a:xfrm>
+            <a:off x="9173455" y="11926255"/>
+            <a:ext cx="3186197" cy="2959768"/>
           </a:xfrm>
           <a:prstGeom prst="rect">
             <a:avLst/>
@@ -2061,16 +2084,16 @@
       </p:pic>
       <p:sp>
         <p:nvSpPr>
-          <p:cNvPr id="46" name="右箭头 45"/>
+          <p:cNvPr id="34" name="圆角右箭头 33"/>
           <p:cNvSpPr/>
           <p:nvPr/>
         </p:nvSpPr>
         <p:spPr>
-          <a:xfrm>
-            <a:off x="26815418" y="19240497"/>
-            <a:ext cx="1115259" cy="447346"/>
-          </a:xfrm>
-          <a:prstGeom prst="rightArrow">
+          <a:xfrm flipV="1">
+            <a:off x="2453570" y="11325313"/>
+            <a:ext cx="1255158" cy="1071061"/>
+          </a:xfrm>
+          <a:prstGeom prst="bentArrow">
             <a:avLst/>
           </a:prstGeom>
         </p:spPr>
@@ -2095,50 +2118,24 @@
           <a:lstStyle/>
           <a:p>
             <a:pPr algn="ctr"/>
-            <a:endParaRPr lang="zh-CN" altLang="en-US"/>
+            <a:endParaRPr lang="zh-CN" altLang="en-US">
+              <a:solidFill>
+                <a:schemeClr val="tx1"/>
+              </a:solidFill>
+            </a:endParaRPr>
           </a:p>
         </p:txBody>
       </p:sp>
-      <p:pic>
-        <p:nvPicPr>
-          <p:cNvPr id="27" name="图片 26"/>
-          <p:cNvPicPr>
-            <a:picLocks noChangeAspect="1"/>
-          </p:cNvPicPr>
-          <p:nvPr/>
-        </p:nvPicPr>
-        <p:blipFill>
-          <a:blip r:embed="rId11">
-            <a:extLst>
-              <a:ext uri="{28A0092B-C50C-407E-A947-70E740481C1C}">
-                <a14:useLocalDpi xmlns:a14="http://schemas.microsoft.com/office/drawing/2010/main" val="0"/>
-              </a:ext>
-            </a:extLst>
-          </a:blip>
-          <a:stretch>
-            <a:fillRect/>
-          </a:stretch>
-        </p:blipFill>
-        <p:spPr>
-          <a:xfrm>
-            <a:off x="9173455" y="11926255"/>
-            <a:ext cx="3186197" cy="2959768"/>
-          </a:xfrm>
-          <a:prstGeom prst="rect">
-            <a:avLst/>
-          </a:prstGeom>
-        </p:spPr>
-      </p:pic>
       <p:sp>
         <p:nvSpPr>
-          <p:cNvPr id="34" name="圆角右箭头 33"/>
+          <p:cNvPr id="2" name="圆角右箭头 1"/>
           <p:cNvSpPr/>
           <p:nvPr/>
         </p:nvSpPr>
         <p:spPr>
-          <a:xfrm flipV="1">
-            <a:off x="2453570" y="11325313"/>
-            <a:ext cx="1255158" cy="1071061"/>
+          <a:xfrm>
+            <a:off x="25998984" y="11333885"/>
+            <a:ext cx="2231889" cy="757060"/>
           </a:xfrm>
           <a:prstGeom prst="bentArrow">
             <a:avLst/>
@@ -2175,14 +2172,14 @@
       </p:sp>
       <p:sp>
         <p:nvSpPr>
-          <p:cNvPr id="2" name="圆角右箭头 1"/>
+          <p:cNvPr id="6" name="圆角右箭头 5"/>
           <p:cNvSpPr/>
           <p:nvPr/>
         </p:nvSpPr>
         <p:spPr>
-          <a:xfrm>
-            <a:off x="26032267" y="11140046"/>
-            <a:ext cx="2231889" cy="757060"/>
+          <a:xfrm flipV="1">
+            <a:off x="25994785" y="14170066"/>
+            <a:ext cx="1686759" cy="715957"/>
           </a:xfrm>
           <a:prstGeom prst="bentArrow">
             <a:avLst/>
@@ -2217,18 +2214,288 @@
           </a:p>
         </p:txBody>
       </p:sp>
+      <p:pic>
+        <p:nvPicPr>
+          <p:cNvPr id="11" name="图片 10"/>
+          <p:cNvPicPr>
+            <a:picLocks noChangeAspect="1"/>
+          </p:cNvPicPr>
+          <p:nvPr/>
+        </p:nvPicPr>
+        <p:blipFill>
+          <a:blip r:embed="rId12">
+            <a:extLst>
+              <a:ext uri="{28A0092B-C50C-407E-A947-70E740481C1C}">
+                <a14:useLocalDpi xmlns:a14="http://schemas.microsoft.com/office/drawing/2010/main" val="0"/>
+              </a:ext>
+            </a:extLst>
+          </a:blip>
+          <a:stretch>
+            <a:fillRect/>
+          </a:stretch>
+        </p:blipFill>
+        <p:spPr>
+          <a:xfrm>
+            <a:off x="587873" y="8030489"/>
+            <a:ext cx="4794658" cy="3296983"/>
+          </a:xfrm>
+          <a:prstGeom prst="rect">
+            <a:avLst/>
+          </a:prstGeom>
+        </p:spPr>
+      </p:pic>
+      <p:pic>
+        <p:nvPicPr>
+          <p:cNvPr id="5" name="图片 4"/>
+          <p:cNvPicPr>
+            <a:picLocks noChangeAspect="1"/>
+          </p:cNvPicPr>
+          <p:nvPr/>
+        </p:nvPicPr>
+        <p:blipFill>
+          <a:blip r:embed="rId13">
+            <a:extLst>
+              <a:ext uri="{28A0092B-C50C-407E-A947-70E740481C1C}">
+                <a14:useLocalDpi xmlns:a14="http://schemas.microsoft.com/office/drawing/2010/main" val="0"/>
+              </a:ext>
+            </a:extLst>
+          </a:blip>
+          <a:stretch>
+            <a:fillRect/>
+          </a:stretch>
+        </p:blipFill>
+        <p:spPr>
+          <a:xfrm>
+            <a:off x="3711578" y="9682566"/>
+            <a:ext cx="4457700" cy="3285495"/>
+          </a:xfrm>
+          <a:prstGeom prst="rect">
+            <a:avLst/>
+          </a:prstGeom>
+        </p:spPr>
+      </p:pic>
+      <p:pic>
+        <p:nvPicPr>
+          <p:cNvPr id="10" name="图片 9"/>
+          <p:cNvPicPr>
+            <a:picLocks noChangeAspect="1"/>
+          </p:cNvPicPr>
+          <p:nvPr/>
+        </p:nvPicPr>
+        <p:blipFill>
+          <a:blip r:embed="rId14">
+            <a:extLst>
+              <a:ext uri="{28A0092B-C50C-407E-A947-70E740481C1C}">
+                <a14:useLocalDpi xmlns:a14="http://schemas.microsoft.com/office/drawing/2010/main" val="0"/>
+              </a:ext>
+            </a:extLst>
+          </a:blip>
+          <a:stretch>
+            <a:fillRect/>
+          </a:stretch>
+        </p:blipFill>
+        <p:spPr>
+          <a:xfrm>
+            <a:off x="6594532" y="10154816"/>
+            <a:ext cx="1552381" cy="314286"/>
+          </a:xfrm>
+          <a:prstGeom prst="rect">
+            <a:avLst/>
+          </a:prstGeom>
+        </p:spPr>
+      </p:pic>
+      <p:pic>
+        <p:nvPicPr>
+          <p:cNvPr id="13" name="图片 12"/>
+          <p:cNvPicPr>
+            <a:picLocks noChangeAspect="1"/>
+          </p:cNvPicPr>
+          <p:nvPr/>
+        </p:nvPicPr>
+        <p:blipFill>
+          <a:blip r:embed="rId15">
+            <a:extLst>
+              <a:ext uri="{28A0092B-C50C-407E-A947-70E740481C1C}">
+                <a14:useLocalDpi xmlns:a14="http://schemas.microsoft.com/office/drawing/2010/main" val="0"/>
+              </a:ext>
+            </a:extLst>
+          </a:blip>
+          <a:stretch>
+            <a:fillRect/>
+          </a:stretch>
+        </p:blipFill>
+        <p:spPr>
+          <a:xfrm>
+            <a:off x="18503548" y="8974392"/>
+            <a:ext cx="4264571" cy="2302474"/>
+          </a:xfrm>
+          <a:prstGeom prst="rect">
+            <a:avLst/>
+          </a:prstGeom>
+        </p:spPr>
+      </p:pic>
+      <p:pic>
+        <p:nvPicPr>
+          <p:cNvPr id="7" name="图片 6"/>
+          <p:cNvPicPr>
+            <a:picLocks noChangeAspect="1"/>
+          </p:cNvPicPr>
+          <p:nvPr/>
+        </p:nvPicPr>
+        <p:blipFill>
+          <a:blip r:embed="rId16" cstate="print">
+            <a:extLst>
+              <a:ext uri="{28A0092B-C50C-407E-A947-70E740481C1C}">
+                <a14:useLocalDpi xmlns:a14="http://schemas.microsoft.com/office/drawing/2010/main" val="0"/>
+              </a:ext>
+            </a:extLst>
+          </a:blip>
+          <a:stretch>
+            <a:fillRect/>
+          </a:stretch>
+        </p:blipFill>
+        <p:spPr>
+          <a:xfrm>
+            <a:off x="8773791" y="9008294"/>
+            <a:ext cx="3836836" cy="2317020"/>
+          </a:xfrm>
+          <a:prstGeom prst="rect">
+            <a:avLst/>
+          </a:prstGeom>
+        </p:spPr>
+      </p:pic>
+      <p:pic>
+        <p:nvPicPr>
+          <p:cNvPr id="8" name="图片 7"/>
+          <p:cNvPicPr>
+            <a:picLocks noChangeAspect="1"/>
+          </p:cNvPicPr>
+          <p:nvPr/>
+        </p:nvPicPr>
+        <p:blipFill>
+          <a:blip r:embed="rId17" cstate="print">
+            <a:extLst>
+              <a:ext uri="{28A0092B-C50C-407E-A947-70E740481C1C}">
+                <a14:useLocalDpi xmlns:a14="http://schemas.microsoft.com/office/drawing/2010/main" val="0"/>
+              </a:ext>
+            </a:extLst>
+          </a:blip>
+          <a:stretch>
+            <a:fillRect/>
+          </a:stretch>
+        </p:blipFill>
+        <p:spPr>
+          <a:xfrm>
+            <a:off x="13650822" y="9008294"/>
+            <a:ext cx="3812531" cy="2288445"/>
+          </a:xfrm>
+          <a:prstGeom prst="rect">
+            <a:avLst/>
+          </a:prstGeom>
+        </p:spPr>
+      </p:pic>
+      <p:pic>
+        <p:nvPicPr>
+          <p:cNvPr id="15" name="图片 14"/>
+          <p:cNvPicPr>
+            <a:picLocks noChangeAspect="1"/>
+          </p:cNvPicPr>
+          <p:nvPr/>
+        </p:nvPicPr>
+        <p:blipFill>
+          <a:blip r:embed="rId18" cstate="print">
+            <a:extLst>
+              <a:ext uri="{28A0092B-C50C-407E-A947-70E740481C1C}">
+                <a14:useLocalDpi xmlns:a14="http://schemas.microsoft.com/office/drawing/2010/main" val="0"/>
+              </a:ext>
+            </a:extLst>
+          </a:blip>
+          <a:stretch>
+            <a:fillRect/>
+          </a:stretch>
+        </p:blipFill>
+        <p:spPr>
+          <a:xfrm>
+            <a:off x="11520248" y="15044210"/>
+            <a:ext cx="3956268" cy="2379530"/>
+          </a:xfrm>
+          <a:prstGeom prst="rect">
+            <a:avLst/>
+          </a:prstGeom>
+        </p:spPr>
+      </p:pic>
+      <p:pic>
+        <p:nvPicPr>
+          <p:cNvPr id="17" name="图片 16"/>
+          <p:cNvPicPr>
+            <a:picLocks noChangeAspect="1"/>
+          </p:cNvPicPr>
+          <p:nvPr/>
+        </p:nvPicPr>
+        <p:blipFill>
+          <a:blip r:embed="rId19" cstate="print">
+            <a:extLst>
+              <a:ext uri="{28A0092B-C50C-407E-A947-70E740481C1C}">
+                <a14:useLocalDpi xmlns:a14="http://schemas.microsoft.com/office/drawing/2010/main" val="0"/>
+              </a:ext>
+            </a:extLst>
+          </a:blip>
+          <a:stretch>
+            <a:fillRect/>
+          </a:stretch>
+        </p:blipFill>
+        <p:spPr>
+          <a:xfrm>
+            <a:off x="19310849" y="15044210"/>
+            <a:ext cx="3977507" cy="2135637"/>
+          </a:xfrm>
+          <a:prstGeom prst="rect">
+            <a:avLst/>
+          </a:prstGeom>
+        </p:spPr>
+      </p:pic>
+      <p:pic>
+        <p:nvPicPr>
+          <p:cNvPr id="21" name="图片 20"/>
+          <p:cNvPicPr>
+            <a:picLocks noChangeAspect="1"/>
+          </p:cNvPicPr>
+          <p:nvPr/>
+        </p:nvPicPr>
+        <p:blipFill>
+          <a:blip r:embed="rId20" cstate="print">
+            <a:extLst>
+              <a:ext uri="{28A0092B-C50C-407E-A947-70E740481C1C}">
+                <a14:useLocalDpi xmlns:a14="http://schemas.microsoft.com/office/drawing/2010/main" val="0"/>
+              </a:ext>
+            </a:extLst>
+          </a:blip>
+          <a:stretch>
+            <a:fillRect/>
+          </a:stretch>
+        </p:blipFill>
+        <p:spPr>
+          <a:xfrm>
+            <a:off x="23553811" y="12233418"/>
+            <a:ext cx="4420703" cy="1709786"/>
+          </a:xfrm>
+          <a:prstGeom prst="rect">
+            <a:avLst/>
+          </a:prstGeom>
+        </p:spPr>
+      </p:pic>
       <p:sp>
         <p:nvSpPr>
-          <p:cNvPr id="6" name="圆角右箭头 5"/>
+          <p:cNvPr id="41" name="下箭头 40"/>
           <p:cNvSpPr/>
           <p:nvPr/>
         </p:nvSpPr>
         <p:spPr>
-          <a:xfrm flipV="1">
-            <a:off x="26032267" y="15133643"/>
-            <a:ext cx="1686759" cy="715957"/>
-          </a:xfrm>
-          <a:prstGeom prst="bentArrow">
+          <a:xfrm>
+            <a:off x="20441296" y="11217033"/>
+            <a:ext cx="389076" cy="680073"/>
+          </a:xfrm>
+          <a:prstGeom prst="downArrow">
             <a:avLst/>
           </a:prstGeom>
         </p:spPr>
@@ -2253,254 +2520,50 @@
           <a:lstStyle/>
           <a:p>
             <a:pPr algn="ctr"/>
-            <a:endParaRPr lang="zh-CN" altLang="en-US">
-              <a:solidFill>
-                <a:schemeClr val="tx1"/>
-              </a:solidFill>
-            </a:endParaRPr>
+            <a:endParaRPr lang="zh-CN" altLang="en-US"/>
           </a:p>
         </p:txBody>
       </p:sp>
-      <p:pic>
-        <p:nvPicPr>
-          <p:cNvPr id="11" name="图片 10"/>
-          <p:cNvPicPr>
-            <a:picLocks noChangeAspect="1"/>
-          </p:cNvPicPr>
-          <p:nvPr/>
-        </p:nvPicPr>
-        <p:blipFill>
-          <a:blip r:embed="rId12">
-            <a:extLst>
-              <a:ext uri="{28A0092B-C50C-407E-A947-70E740481C1C}">
-                <a14:useLocalDpi xmlns:a14="http://schemas.microsoft.com/office/drawing/2010/main" val="0"/>
-              </a:ext>
-            </a:extLst>
-          </a:blip>
-          <a:stretch>
-            <a:fillRect/>
-          </a:stretch>
-        </p:blipFill>
-        <p:spPr>
-          <a:xfrm>
-            <a:off x="587873" y="8030489"/>
-            <a:ext cx="4794658" cy="3296983"/>
-          </a:xfrm>
-          <a:prstGeom prst="rect">
-            <a:avLst/>
-          </a:prstGeom>
-        </p:spPr>
-      </p:pic>
-      <p:pic>
-        <p:nvPicPr>
-          <p:cNvPr id="5" name="图片 4"/>
-          <p:cNvPicPr>
-            <a:picLocks noChangeAspect="1"/>
-          </p:cNvPicPr>
-          <p:nvPr/>
-        </p:nvPicPr>
-        <p:blipFill>
-          <a:blip r:embed="rId13">
-            <a:extLst>
-              <a:ext uri="{28A0092B-C50C-407E-A947-70E740481C1C}">
-                <a14:useLocalDpi xmlns:a14="http://schemas.microsoft.com/office/drawing/2010/main" val="0"/>
-              </a:ext>
-            </a:extLst>
-          </a:blip>
-          <a:stretch>
-            <a:fillRect/>
-          </a:stretch>
-        </p:blipFill>
-        <p:spPr>
-          <a:xfrm>
-            <a:off x="3711578" y="9682566"/>
-            <a:ext cx="4457700" cy="3285495"/>
-          </a:xfrm>
-          <a:prstGeom prst="rect">
-            <a:avLst/>
-          </a:prstGeom>
-        </p:spPr>
-      </p:pic>
-      <p:pic>
-        <p:nvPicPr>
-          <p:cNvPr id="10" name="图片 9"/>
-          <p:cNvPicPr>
-            <a:picLocks noChangeAspect="1"/>
-          </p:cNvPicPr>
-          <p:nvPr/>
-        </p:nvPicPr>
-        <p:blipFill>
-          <a:blip r:embed="rId14">
-            <a:extLst>
-              <a:ext uri="{28A0092B-C50C-407E-A947-70E740481C1C}">
-                <a14:useLocalDpi xmlns:a14="http://schemas.microsoft.com/office/drawing/2010/main" val="0"/>
-              </a:ext>
-            </a:extLst>
-          </a:blip>
-          <a:stretch>
-            <a:fillRect/>
-          </a:stretch>
-        </p:blipFill>
-        <p:spPr>
-          <a:xfrm>
-            <a:off x="6594532" y="10154816"/>
-            <a:ext cx="1552381" cy="314286"/>
-          </a:xfrm>
-          <a:prstGeom prst="rect">
-            <a:avLst/>
-          </a:prstGeom>
-        </p:spPr>
-      </p:pic>
-      <p:pic>
-        <p:nvPicPr>
-          <p:cNvPr id="13" name="图片 12"/>
-          <p:cNvPicPr>
-            <a:picLocks noChangeAspect="1"/>
-          </p:cNvPicPr>
-          <p:nvPr/>
-        </p:nvPicPr>
-        <p:blipFill>
-          <a:blip r:embed="rId15">
-            <a:extLst>
-              <a:ext uri="{28A0092B-C50C-407E-A947-70E740481C1C}">
-                <a14:useLocalDpi xmlns:a14="http://schemas.microsoft.com/office/drawing/2010/main" val="0"/>
-              </a:ext>
-            </a:extLst>
-          </a:blip>
-          <a:stretch>
-            <a:fillRect/>
-          </a:stretch>
-        </p:blipFill>
-        <p:spPr>
-          <a:xfrm>
-            <a:off x="18503548" y="8974392"/>
-            <a:ext cx="4264571" cy="2302474"/>
-          </a:xfrm>
-          <a:prstGeom prst="rect">
-            <a:avLst/>
-          </a:prstGeom>
-        </p:spPr>
-      </p:pic>
-      <p:pic>
-        <p:nvPicPr>
-          <p:cNvPr id="7" name="图片 6"/>
-          <p:cNvPicPr>
-            <a:picLocks noChangeAspect="1"/>
-          </p:cNvPicPr>
-          <p:nvPr/>
-        </p:nvPicPr>
-        <p:blipFill>
-          <a:blip r:embed="rId16" cstate="print">
-            <a:extLst>
-              <a:ext uri="{28A0092B-C50C-407E-A947-70E740481C1C}">
-                <a14:useLocalDpi xmlns:a14="http://schemas.microsoft.com/office/drawing/2010/main" val="0"/>
-              </a:ext>
-            </a:extLst>
-          </a:blip>
-          <a:stretch>
-            <a:fillRect/>
-          </a:stretch>
-        </p:blipFill>
-        <p:spPr>
-          <a:xfrm>
-            <a:off x="8924758" y="9008294"/>
-            <a:ext cx="3836836" cy="2317020"/>
-          </a:xfrm>
-          <a:prstGeom prst="rect">
-            <a:avLst/>
-          </a:prstGeom>
-        </p:spPr>
-      </p:pic>
-      <p:pic>
-        <p:nvPicPr>
-          <p:cNvPr id="8" name="图片 7"/>
-          <p:cNvPicPr>
-            <a:picLocks noChangeAspect="1"/>
-          </p:cNvPicPr>
-          <p:nvPr/>
-        </p:nvPicPr>
-        <p:blipFill>
-          <a:blip r:embed="rId17" cstate="print">
-            <a:extLst>
-              <a:ext uri="{28A0092B-C50C-407E-A947-70E740481C1C}">
-                <a14:useLocalDpi xmlns:a14="http://schemas.microsoft.com/office/drawing/2010/main" val="0"/>
-              </a:ext>
-            </a:extLst>
-          </a:blip>
-          <a:stretch>
-            <a:fillRect/>
-          </a:stretch>
-        </p:blipFill>
-        <p:spPr>
-          <a:xfrm>
-            <a:off x="13650822" y="9008294"/>
-            <a:ext cx="3812531" cy="2288445"/>
-          </a:xfrm>
-          <a:prstGeom prst="rect">
-            <a:avLst/>
-          </a:prstGeom>
-        </p:spPr>
-      </p:pic>
-      <p:pic>
-        <p:nvPicPr>
-          <p:cNvPr id="15" name="图片 14"/>
-          <p:cNvPicPr>
-            <a:picLocks noChangeAspect="1"/>
-          </p:cNvPicPr>
-          <p:nvPr/>
-        </p:nvPicPr>
-        <p:blipFill>
-          <a:blip r:embed="rId18" cstate="print">
-            <a:extLst>
-              <a:ext uri="{28A0092B-C50C-407E-A947-70E740481C1C}">
-                <a14:useLocalDpi xmlns:a14="http://schemas.microsoft.com/office/drawing/2010/main" val="0"/>
-              </a:ext>
-            </a:extLst>
-          </a:blip>
-          <a:stretch>
-            <a:fillRect/>
-          </a:stretch>
-        </p:blipFill>
-        <p:spPr>
-          <a:xfrm>
-            <a:off x="11520248" y="15044210"/>
-            <a:ext cx="3956268" cy="2379530"/>
-          </a:xfrm>
-          <a:prstGeom prst="rect">
-            <a:avLst/>
-          </a:prstGeom>
-        </p:spPr>
-      </p:pic>
-      <p:pic>
-        <p:nvPicPr>
-          <p:cNvPr id="17" name="图片 16"/>
-          <p:cNvPicPr>
-            <a:picLocks noChangeAspect="1"/>
-          </p:cNvPicPr>
-          <p:nvPr/>
-        </p:nvPicPr>
-        <p:blipFill>
-          <a:blip r:embed="rId19" cstate="print">
-            <a:extLst>
-              <a:ext uri="{28A0092B-C50C-407E-A947-70E740481C1C}">
-                <a14:useLocalDpi xmlns:a14="http://schemas.microsoft.com/office/drawing/2010/main" val="0"/>
-              </a:ext>
-            </a:extLst>
-          </a:blip>
-          <a:stretch>
-            <a:fillRect/>
-          </a:stretch>
-        </p:blipFill>
-        <p:spPr>
-          <a:xfrm>
-            <a:off x="19310849" y="15044210"/>
-            <a:ext cx="3977507" cy="2135637"/>
-          </a:xfrm>
-          <a:prstGeom prst="rect">
-            <a:avLst/>
-          </a:prstGeom>
-        </p:spPr>
-      </p:pic>
+      <p:sp>
+        <p:nvSpPr>
+          <p:cNvPr id="45" name="下箭头 44"/>
+          <p:cNvSpPr/>
+          <p:nvPr/>
+        </p:nvSpPr>
+        <p:spPr>
+          <a:xfrm>
+            <a:off x="29921196" y="16879189"/>
+            <a:ext cx="525511" cy="1162420"/>
+          </a:xfrm>
+          <a:prstGeom prst="downArrow">
+            <a:avLst/>
+          </a:prstGeom>
+        </p:spPr>
+        <p:style>
+          <a:lnRef idx="2">
+            <a:schemeClr val="accent1">
+              <a:shade val="50000"/>
+            </a:schemeClr>
+          </a:lnRef>
+          <a:fillRef idx="1">
+            <a:schemeClr val="accent1"/>
+          </a:fillRef>
+          <a:effectRef idx="0">
+            <a:schemeClr val="accent1"/>
+          </a:effectRef>
+          <a:fontRef idx="minor">
+            <a:schemeClr val="lt1"/>
+          </a:fontRef>
+        </p:style>
+        <p:txBody>
+          <a:bodyPr rtlCol="0" anchor="ctr"/>
+          <a:lstStyle/>
+          <a:p>
+            <a:pPr algn="ctr"/>
+            <a:endParaRPr lang="zh-CN" altLang="en-US"/>
+          </a:p>
+        </p:txBody>
+      </p:sp>
     </p:spTree>
     <p:extLst>
       <p:ext uri="{BB962C8B-B14F-4D97-AF65-F5344CB8AC3E}">

--- a/poster/poster.pptx
+++ b/poster/poster.pptx
@@ -1606,17 +1606,7 @@
                 <a:latin typeface="Arial" pitchFamily="34" charset="0"/>
                 <a:cs typeface="Arial" pitchFamily="34" charset="0"/>
               </a:rPr>
-              <a:t>The New York Times Obama budget </a:t>
-            </a:r>
-            <a:r>
-              <a:rPr lang="en-US" altLang="zh-CN" sz="3600" b="1" dirty="0" smtClean="0">
-                <a:solidFill>
-                  <a:srgbClr val="9E7E38"/>
-                </a:solidFill>
-                <a:latin typeface="Arial" pitchFamily="34" charset="0"/>
-                <a:cs typeface="Arial" pitchFamily="34" charset="0"/>
-              </a:rPr>
-              <a:t>data</a:t>
+              <a:t>The New York Times Obama budget data</a:t>
             </a:r>
           </a:p>
           <a:p>
@@ -2134,7 +2124,7 @@
         </p:nvSpPr>
         <p:spPr>
           <a:xfrm>
-            <a:off x="25998984" y="11333885"/>
+            <a:off x="25998984" y="11460954"/>
             <a:ext cx="2231889" cy="757060"/>
           </a:xfrm>
           <a:prstGeom prst="bentArrow">
@@ -2178,7 +2168,7 @@
         </p:nvSpPr>
         <p:spPr>
           <a:xfrm flipV="1">
-            <a:off x="25994785" y="14170066"/>
+            <a:off x="25994785" y="13940092"/>
             <a:ext cx="1686759" cy="715957"/>
           </a:xfrm>
           <a:prstGeom prst="bentArrow">

--- a/poster/poster.pptx
+++ b/poster/poster.pptx
@@ -106,7 +106,7 @@
   </p:defaultTextStyle>
   <p:extLst>
     <p:ext uri="{EFAFB233-063F-42B5-8137-9DF3F51BA10A}">
-      <p15:sldGuideLst xmlns:p15="http://schemas.microsoft.com/office/powerpoint/2012/main">
+      <p15:sldGuideLst xmlns:p15="http://schemas.microsoft.com/office/powerpoint/2012/main" xmlns="">
         <p15:guide id="1" orient="horz" pos="384" userDrawn="1">
           <p15:clr>
             <a:srgbClr val="A4A3A4"/>
@@ -737,8 +737,8 @@
         </p:nvSpPr>
         <p:spPr>
           <a:xfrm>
-            <a:off x="16791217" y="2858186"/>
-            <a:ext cx="3267498" cy="738664"/>
+            <a:off x="7550595" y="2496512"/>
+            <a:ext cx="23759090" cy="1231106"/>
           </a:xfrm>
           <a:prstGeom prst="rect">
             <a:avLst/>
@@ -746,13 +746,13 @@
           <a:noFill/>
         </p:spPr>
         <p:txBody>
-          <a:bodyPr wrap="none" lIns="0" tIns="0" rIns="0" bIns="0" rtlCol="0" anchor="ctr" anchorCtr="0">
+          <a:bodyPr wrap="square" lIns="0" tIns="0" rIns="0" bIns="0" rtlCol="0" anchor="ctr" anchorCtr="0">
             <a:spAutoFit/>
           </a:bodyPr>
           <a:lstStyle/>
           <a:p>
             <a:r>
-              <a:rPr lang="en-US" sz="4800" dirty="0" err="1">
+              <a:rPr lang="en-US" sz="4000" dirty="0" err="1">
                 <a:solidFill>
                   <a:srgbClr val="B4B4B4"/>
                 </a:solidFill>
@@ -762,15 +762,74 @@
               <a:t>Yukang</a:t>
             </a:r>
             <a:r>
-              <a:rPr lang="en-US" sz="4800" dirty="0">
+              <a:rPr lang="en-US" sz="4000" dirty="0">
                 <a:solidFill>
                   <a:srgbClr val="B4B4B4"/>
                 </a:solidFill>
                 <a:latin typeface="Arial" pitchFamily="34" charset="0"/>
                 <a:cs typeface="Arial" pitchFamily="34" charset="0"/>
               </a:rPr>
-              <a:t> Yan</a:t>
-            </a:r>
+              <a:t> </a:t>
+            </a:r>
+            <a:r>
+              <a:rPr lang="en-US" sz="4000" dirty="0">
+                <a:solidFill>
+                  <a:srgbClr val="B4B4B4"/>
+                </a:solidFill>
+                <a:latin typeface="Arial" pitchFamily="34" charset="0"/>
+                <a:cs typeface="Arial" pitchFamily="34" charset="0"/>
+              </a:rPr>
+              <a:t>Yan, </a:t>
+            </a:r>
+            <a:r>
+              <a:rPr lang="en-US" sz="4000" dirty="0" err="1">
+                <a:solidFill>
+                  <a:srgbClr val="B4B4B4"/>
+                </a:solidFill>
+                <a:latin typeface="Arial" pitchFamily="34" charset="0"/>
+                <a:cs typeface="Arial" pitchFamily="34" charset="0"/>
+              </a:rPr>
+              <a:t>Dept</a:t>
+            </a:r>
+            <a:r>
+              <a:rPr lang="en-US" sz="4000" dirty="0">
+                <a:solidFill>
+                  <a:srgbClr val="B4B4B4"/>
+                </a:solidFill>
+                <a:latin typeface="Arial" pitchFamily="34" charset="0"/>
+                <a:cs typeface="Arial" pitchFamily="34" charset="0"/>
+              </a:rPr>
+              <a:t> of Computer Science &amp; </a:t>
+            </a:r>
+            <a:r>
+              <a:rPr lang="en-US" sz="4000" dirty="0" smtClean="0">
+                <a:solidFill>
+                  <a:srgbClr val="B4B4B4"/>
+                </a:solidFill>
+                <a:latin typeface="Arial" pitchFamily="34" charset="0"/>
+                <a:cs typeface="Arial" pitchFamily="34" charset="0"/>
+              </a:rPr>
+              <a:t>Technology, Tsinghua University</a:t>
+            </a:r>
+          </a:p>
+          <a:p>
+            <a:r>
+              <a:rPr lang="en-US" sz="4000" dirty="0" smtClean="0">
+                <a:solidFill>
+                  <a:srgbClr val="B4B4B4"/>
+                </a:solidFill>
+                <a:latin typeface="Arial" pitchFamily="34" charset="0"/>
+                <a:cs typeface="Arial" pitchFamily="34" charset="0"/>
+              </a:rPr>
+              <a:t>Pedro Szekely, Information Sciences Institute, USC</a:t>
+            </a:r>
+            <a:endParaRPr lang="en-US" sz="4000" dirty="0">
+              <a:solidFill>
+                <a:srgbClr val="B4B4B4"/>
+              </a:solidFill>
+              <a:latin typeface="Arial" pitchFamily="34" charset="0"/>
+              <a:cs typeface="Arial" pitchFamily="34" charset="0"/>
+            </a:endParaRPr>
           </a:p>
         </p:txBody>
       </p:sp>
@@ -782,8 +841,8 @@
         </p:nvSpPr>
         <p:spPr>
           <a:xfrm>
-            <a:off x="1278682" y="5787955"/>
-            <a:ext cx="7264344" cy="14243002"/>
+            <a:off x="724510" y="5787955"/>
+            <a:ext cx="7264344" cy="14392758"/>
           </a:xfrm>
           <a:prstGeom prst="rect">
             <a:avLst/>
@@ -885,21 +944,14 @@
                 <a:latin typeface="Arial" pitchFamily="34" charset="0"/>
                 <a:cs typeface="Arial" pitchFamily="34" charset="0"/>
               </a:rPr>
-              <a:t>                                 Visualization</a:t>
-            </a:r>
-            <a:r>
-              <a:rPr lang="en-US" altLang="zh-CN" sz="3600" b="1" dirty="0" smtClean="0">
-                <a:latin typeface="Arial" pitchFamily="34" charset="0"/>
-                <a:cs typeface="Arial" pitchFamily="34" charset="0"/>
-              </a:rPr>
-              <a:t>                        </a:t>
-            </a:r>
-            <a:r>
-              <a:rPr lang="en-US" sz="3600" dirty="0" smtClean="0">
-                <a:latin typeface="Arial" pitchFamily="34" charset="0"/>
-                <a:cs typeface="Arial" pitchFamily="34" charset="0"/>
-              </a:rPr>
-              <a:t>             </a:t>
+              <a:t>                                </a:t>
+            </a:r>
+            <a:r>
+              <a:rPr lang="en-US" sz="3600" b="1" dirty="0" smtClean="0">
+                <a:latin typeface="Arial" pitchFamily="34" charset="0"/>
+                <a:cs typeface="Arial" pitchFamily="34" charset="0"/>
+              </a:rPr>
+              <a:t>   </a:t>
             </a:r>
             <a:endParaRPr lang="en-US" sz="3600" dirty="0">
               <a:latin typeface="Arial" pitchFamily="34" charset="0"/>
@@ -994,12 +1046,33 @@
                 <a:spcPts val="1600"/>
               </a:spcAft>
             </a:pPr>
+            <a:endParaRPr lang="en-US" sz="3734" b="1" dirty="0" smtClean="0">
+              <a:latin typeface="Arial" pitchFamily="34" charset="0"/>
+              <a:cs typeface="Arial" pitchFamily="34" charset="0"/>
+            </a:endParaRPr>
+          </a:p>
+          <a:p>
+            <a:pPr>
+              <a:lnSpc>
+                <a:spcPct val="110000"/>
+              </a:lnSpc>
+              <a:spcAft>
+                <a:spcPts val="1600"/>
+              </a:spcAft>
+            </a:pPr>
             <a:r>
               <a:rPr lang="en-US" sz="3734" b="1" dirty="0" smtClean="0">
                 <a:latin typeface="Arial" pitchFamily="34" charset="0"/>
                 <a:cs typeface="Arial" pitchFamily="34" charset="0"/>
               </a:rPr>
-              <a:t>The visualization is nice, but many pages of </a:t>
+              <a:t>The </a:t>
+            </a:r>
+            <a:r>
+              <a:rPr lang="en-US" sz="3734" b="1" dirty="0" smtClean="0">
+                <a:latin typeface="Arial" pitchFamily="34" charset="0"/>
+                <a:cs typeface="Arial" pitchFamily="34" charset="0"/>
+              </a:rPr>
+              <a:t>visualization is nice, but many pages of </a:t>
             </a:r>
             <a:r>
               <a:rPr lang="en-US" sz="3734" b="1" dirty="0" err="1" smtClean="0">
@@ -1013,8 +1086,19 @@
                 <a:latin typeface="Arial" pitchFamily="34" charset="0"/>
                 <a:cs typeface="Arial" pitchFamily="34" charset="0"/>
               </a:rPr>
-              <a:t> codes to create it.</a:t>
-            </a:r>
+              <a:t> codes to create </a:t>
+            </a:r>
+            <a:r>
+              <a:rPr lang="en-US" sz="3734" b="1" dirty="0" smtClean="0">
+                <a:latin typeface="Arial" pitchFamily="34" charset="0"/>
+                <a:cs typeface="Arial" pitchFamily="34" charset="0"/>
+              </a:rPr>
+              <a:t>it</a:t>
+            </a:r>
+            <a:endParaRPr lang="en-US" sz="3734" b="1" dirty="0" smtClean="0">
+              <a:latin typeface="Arial" pitchFamily="34" charset="0"/>
+              <a:cs typeface="Arial" pitchFamily="34" charset="0"/>
+            </a:endParaRPr>
           </a:p>
           <a:p>
             <a:pPr>
@@ -1067,7 +1151,21 @@
                 <a:latin typeface="Arial" pitchFamily="34" charset="0"/>
                 <a:cs typeface="Arial" pitchFamily="34" charset="0"/>
               </a:rPr>
-              <a:t>Our goal is to automatically create complex visualization easily.</a:t>
+              <a:t>Automatically </a:t>
+            </a:r>
+            <a:r>
+              <a:rPr lang="en-US" sz="4000" b="1" dirty="0" smtClean="0">
+                <a:latin typeface="Arial" pitchFamily="34" charset="0"/>
+                <a:cs typeface="Arial" pitchFamily="34" charset="0"/>
+              </a:rPr>
+              <a:t>create complex </a:t>
+            </a:r>
+            <a:r>
+              <a:rPr lang="en-US" sz="4000" b="1" dirty="0" smtClean="0">
+                <a:latin typeface="Arial" pitchFamily="34" charset="0"/>
+                <a:cs typeface="Arial" pitchFamily="34" charset="0"/>
+              </a:rPr>
+              <a:t>visualizations</a:t>
             </a:r>
             <a:endParaRPr lang="en-US" sz="4000" b="1" dirty="0">
               <a:latin typeface="Arial" pitchFamily="34" charset="0"/>
@@ -1098,7 +1196,7 @@
         </p:blipFill>
         <p:spPr>
           <a:xfrm>
-            <a:off x="1066800" y="1329900"/>
+            <a:off x="489525" y="1329900"/>
             <a:ext cx="6477000" cy="2266950"/>
           </a:xfrm>
           <a:prstGeom prst="rect">
@@ -1114,8 +1212,8 @@
         </p:nvSpPr>
         <p:spPr>
           <a:xfrm>
-            <a:off x="9397858" y="5787955"/>
-            <a:ext cx="10587949" cy="8900129"/>
+            <a:off x="12053266" y="5441582"/>
+            <a:ext cx="10587949" cy="2328843"/>
           </a:xfrm>
           <a:prstGeom prst="rect">
             <a:avLst/>
@@ -1179,135 +1277,16 @@
                 <a:latin typeface="Arial" pitchFamily="34" charset="0"/>
                 <a:cs typeface="Arial" pitchFamily="34" charset="0"/>
               </a:rPr>
-              <a:t>Create visualization from ontology</a:t>
-            </a:r>
-          </a:p>
-          <a:p>
-            <a:pPr>
-              <a:lnSpc>
-                <a:spcPct val="110000"/>
-              </a:lnSpc>
-              <a:spcAft>
-                <a:spcPts val="1600"/>
-              </a:spcAft>
-            </a:pPr>
-            <a:r>
-              <a:rPr lang="en-US" altLang="zh-CN" sz="3600" b="1" dirty="0" smtClean="0">
-                <a:solidFill>
-                  <a:srgbClr val="9E7E38"/>
-                </a:solidFill>
-                <a:latin typeface="Arial" pitchFamily="34" charset="0"/>
-                <a:cs typeface="Arial" pitchFamily="34" charset="0"/>
-              </a:rPr>
-              <a:t>Health insurance data from New Mexico</a:t>
-            </a:r>
-          </a:p>
-          <a:p>
-            <a:pPr>
-              <a:lnSpc>
-                <a:spcPct val="110000"/>
-              </a:lnSpc>
-              <a:spcAft>
-                <a:spcPts val="1600"/>
-              </a:spcAft>
-            </a:pPr>
-            <a:endParaRPr lang="en-US" altLang="zh-CN" sz="3600" b="1" dirty="0">
-              <a:solidFill>
-                <a:srgbClr val="9E7E38"/>
-              </a:solidFill>
-              <a:latin typeface="Arial" pitchFamily="34" charset="0"/>
-              <a:cs typeface="Arial" pitchFamily="34" charset="0"/>
-            </a:endParaRPr>
-          </a:p>
-          <a:p>
-            <a:pPr>
-              <a:lnSpc>
-                <a:spcPct val="110000"/>
-              </a:lnSpc>
-              <a:spcAft>
-                <a:spcPts val="1600"/>
-              </a:spcAft>
-            </a:pPr>
+              <a:t>Create visualization from </a:t>
+            </a:r>
+            <a:r>
+              <a:rPr lang="en-US" sz="3600" b="1" dirty="0" smtClean="0">
+                <a:latin typeface="Arial" pitchFamily="34" charset="0"/>
+                <a:cs typeface="Arial" pitchFamily="34" charset="0"/>
+              </a:rPr>
+              <a:t>ontology</a:t>
+            </a:r>
             <a:endParaRPr lang="en-US" sz="3600" b="1" dirty="0" smtClean="0">
-              <a:latin typeface="Arial" pitchFamily="34" charset="0"/>
-              <a:cs typeface="Arial" pitchFamily="34" charset="0"/>
-            </a:endParaRPr>
-          </a:p>
-          <a:p>
-            <a:pPr>
-              <a:lnSpc>
-                <a:spcPct val="110000"/>
-              </a:lnSpc>
-              <a:spcAft>
-                <a:spcPts val="1600"/>
-              </a:spcAft>
-            </a:pPr>
-            <a:r>
-              <a:rPr lang="en-US" sz="3600" dirty="0" smtClean="0">
-                <a:latin typeface="Arial" pitchFamily="34" charset="0"/>
-                <a:cs typeface="Arial" pitchFamily="34" charset="0"/>
-              </a:rPr>
-              <a:t>                    </a:t>
-            </a:r>
-          </a:p>
-          <a:p>
-            <a:pPr>
-              <a:lnSpc>
-                <a:spcPct val="110000"/>
-              </a:lnSpc>
-              <a:spcAft>
-                <a:spcPts val="1600"/>
-              </a:spcAft>
-            </a:pPr>
-            <a:endParaRPr lang="en-US" sz="3600" dirty="0">
-              <a:latin typeface="Arial" pitchFamily="34" charset="0"/>
-              <a:cs typeface="Arial" pitchFamily="34" charset="0"/>
-            </a:endParaRPr>
-          </a:p>
-          <a:p>
-            <a:pPr>
-              <a:lnSpc>
-                <a:spcPct val="110000"/>
-              </a:lnSpc>
-              <a:spcAft>
-                <a:spcPts val="1600"/>
-              </a:spcAft>
-            </a:pPr>
-            <a:endParaRPr lang="en-US" sz="3600" dirty="0" smtClean="0">
-              <a:latin typeface="Arial" pitchFamily="34" charset="0"/>
-              <a:cs typeface="Arial" pitchFamily="34" charset="0"/>
-            </a:endParaRPr>
-          </a:p>
-          <a:p>
-            <a:pPr>
-              <a:lnSpc>
-                <a:spcPct val="110000"/>
-              </a:lnSpc>
-              <a:spcAft>
-                <a:spcPts val="1600"/>
-              </a:spcAft>
-            </a:pPr>
-            <a:endParaRPr lang="en-US" sz="3734" b="1" dirty="0" smtClean="0">
-              <a:solidFill>
-                <a:srgbClr val="9E7E38"/>
-              </a:solidFill>
-              <a:latin typeface="Arial" pitchFamily="34" charset="0"/>
-              <a:cs typeface="Arial" pitchFamily="34" charset="0"/>
-            </a:endParaRPr>
-          </a:p>
-          <a:p>
-            <a:pPr>
-              <a:lnSpc>
-                <a:spcPct val="110000"/>
-              </a:lnSpc>
-              <a:spcAft>
-                <a:spcPts val="1600"/>
-              </a:spcAft>
-            </a:pPr>
-            <a:endParaRPr lang="en-US" sz="3734" b="1" dirty="0">
-              <a:solidFill>
-                <a:srgbClr val="9E7E38"/>
-              </a:solidFill>
               <a:latin typeface="Arial" pitchFamily="34" charset="0"/>
               <a:cs typeface="Arial" pitchFamily="34" charset="0"/>
             </a:endParaRPr>
@@ -1366,7 +1345,7 @@
         </p:blipFill>
         <p:spPr>
           <a:xfrm>
-            <a:off x="17861106" y="11903403"/>
+            <a:off x="17676378" y="11903403"/>
             <a:ext cx="5505809" cy="2911990"/>
           </a:xfrm>
           <a:prstGeom prst="rect">
@@ -1576,8 +1555,8 @@
         </p:nvSpPr>
         <p:spPr>
           <a:xfrm>
-            <a:off x="23608840" y="8443267"/>
-            <a:ext cx="9331437" cy="11244360"/>
+            <a:off x="23586963" y="8143077"/>
+            <a:ext cx="9331437" cy="11981624"/>
           </a:xfrm>
           <a:prstGeom prst="rect">
             <a:avLst/>
@@ -1590,7 +1569,7 @@
           </a:bodyPr>
           <a:lstStyle/>
           <a:p>
-            <a:pPr>
+            <a:pPr algn="ctr">
               <a:lnSpc>
                 <a:spcPct val="110000"/>
               </a:lnSpc>
@@ -1606,8 +1585,25 @@
                 <a:latin typeface="Arial" pitchFamily="34" charset="0"/>
                 <a:cs typeface="Arial" pitchFamily="34" charset="0"/>
               </a:rPr>
-              <a:t>The New York Times Obama budget </a:t>
-            </a:r>
+              <a:t>The New York Times </a:t>
+            </a:r>
+            <a:endParaRPr lang="en-US" altLang="zh-CN" sz="3600" b="1" dirty="0" smtClean="0">
+              <a:solidFill>
+                <a:srgbClr val="9E7E38"/>
+              </a:solidFill>
+              <a:latin typeface="Arial" pitchFamily="34" charset="0"/>
+              <a:cs typeface="Arial" pitchFamily="34" charset="0"/>
+            </a:endParaRPr>
+          </a:p>
+          <a:p>
+            <a:pPr algn="ctr">
+              <a:lnSpc>
+                <a:spcPct val="110000"/>
+              </a:lnSpc>
+              <a:spcAft>
+                <a:spcPts val="1600"/>
+              </a:spcAft>
+            </a:pPr>
             <a:r>
               <a:rPr lang="en-US" altLang="zh-CN" sz="3600" b="1" dirty="0" smtClean="0">
                 <a:solidFill>
@@ -1616,8 +1612,15 @@
                 <a:latin typeface="Arial" pitchFamily="34" charset="0"/>
                 <a:cs typeface="Arial" pitchFamily="34" charset="0"/>
               </a:rPr>
-              <a:t>data</a:t>
-            </a:r>
+              <a:t>Obama Budget Data</a:t>
+            </a:r>
+            <a:endParaRPr lang="en-US" altLang="zh-CN" sz="3600" b="1" dirty="0" smtClean="0">
+              <a:solidFill>
+                <a:srgbClr val="9E7E38"/>
+              </a:solidFill>
+              <a:latin typeface="Arial" pitchFamily="34" charset="0"/>
+              <a:cs typeface="Arial" pitchFamily="34" charset="0"/>
+            </a:endParaRPr>
           </a:p>
           <a:p>
             <a:pPr>
@@ -2476,7 +2479,7 @@
         </p:blipFill>
         <p:spPr>
           <a:xfrm>
-            <a:off x="23553811" y="12233418"/>
+            <a:off x="23853994" y="12233418"/>
             <a:ext cx="4420703" cy="1709786"/>
           </a:xfrm>
           <a:prstGeom prst="rect">
@@ -2564,6 +2567,85 @@
           </a:p>
         </p:txBody>
       </p:sp>
+      <p:sp>
+        <p:nvSpPr>
+          <p:cNvPr id="4" name="Rectangle 3"/>
+          <p:cNvSpPr/>
+          <p:nvPr/>
+        </p:nvSpPr>
+        <p:spPr>
+          <a:xfrm>
+            <a:off x="4451538" y="12928246"/>
+            <a:ext cx="2998162" cy="646331"/>
+          </a:xfrm>
+          <a:prstGeom prst="rect">
+            <a:avLst/>
+          </a:prstGeom>
+        </p:spPr>
+        <p:txBody>
+          <a:bodyPr wrap="none">
+            <a:spAutoFit/>
+          </a:bodyPr>
+          <a:lstStyle/>
+          <a:p>
+            <a:r>
+              <a:rPr lang="en-US" sz="3600" b="1" dirty="0">
+                <a:latin typeface="+mj-lt"/>
+              </a:rPr>
+              <a:t>Visualization </a:t>
+            </a:r>
+          </a:p>
+        </p:txBody>
+      </p:sp>
+      <p:sp>
+        <p:nvSpPr>
+          <p:cNvPr id="19" name="Rectangle 18"/>
+          <p:cNvSpPr/>
+          <p:nvPr/>
+        </p:nvSpPr>
+        <p:spPr>
+          <a:xfrm>
+            <a:off x="11924080" y="8239215"/>
+            <a:ext cx="8603378" cy="692497"/>
+          </a:xfrm>
+          <a:prstGeom prst="rect">
+            <a:avLst/>
+          </a:prstGeom>
+        </p:spPr>
+        <p:txBody>
+          <a:bodyPr wrap="square">
+            <a:spAutoFit/>
+          </a:bodyPr>
+          <a:lstStyle/>
+          <a:p>
+            <a:pPr lvl="0">
+              <a:lnSpc>
+                <a:spcPct val="110000"/>
+              </a:lnSpc>
+              <a:spcAft>
+                <a:spcPts val="1600"/>
+              </a:spcAft>
+            </a:pPr>
+            <a:r>
+              <a:rPr lang="en-US" altLang="zh-CN" sz="3600" b="1" dirty="0" smtClean="0">
+                <a:solidFill>
+                  <a:srgbClr val="9E7E38"/>
+                </a:solidFill>
+                <a:latin typeface="Arial" pitchFamily="34" charset="0"/>
+                <a:cs typeface="Arial" pitchFamily="34" charset="0"/>
+              </a:rPr>
+              <a:t>Insurance Data  from New Mexico</a:t>
+            </a:r>
+            <a:endParaRPr lang="en-US" altLang="zh-CN" sz="3600" b="1" dirty="0">
+              <a:solidFill>
+                <a:srgbClr val="9E7E38"/>
+              </a:solidFill>
+              <a:latin typeface="Arial" pitchFamily="34" charset="0"/>
+              <a:cs typeface="Arial" pitchFamily="34" charset="0"/>
+            </a:endParaRPr>
+          </a:p>
+        </p:txBody>
+      </p:sp>
     </p:spTree>
     <p:extLst>
       <p:ext uri="{BB962C8B-B14F-4D97-AF65-F5344CB8AC3E}">
@@ -2577,7 +2659,7 @@
   <p:timing>
     <p:tnLst>
       <p:par>
-        <p:cTn id="1" dur="indefinite" restart="never" nodeType="tmRoot"/>
+        <p:cTn xmlns:p14="http://schemas.microsoft.com/office/powerpoint/2010/main" id="1" dur="indefinite" restart="never" nodeType="tmRoot"/>
       </p:par>
     </p:tnLst>
   </p:timing>
